--- a/images/Presentation1.pptx
+++ b/images/Presentation1.pptx
@@ -104,6 +104,22 @@
       </a:defRPr>
     </a:lvl9pPr>
   </p:defaultTextStyle>
+  <p:extLst>
+    <p:ext uri="{EFAFB233-063F-42B5-8137-9DF3F51BA10A}">
+      <p15:sldGuideLst xmlns:p15="http://schemas.microsoft.com/office/powerpoint/2012/main">
+        <p15:guide id="1" orient="horz" pos="2160">
+          <p15:clr>
+            <a:srgbClr val="A4A3A4"/>
+          </p15:clr>
+        </p15:guide>
+        <p15:guide id="2" pos="2880">
+          <p15:clr>
+            <a:srgbClr val="A4A3A4"/>
+          </p15:clr>
+        </p15:guide>
+      </p15:sldGuideLst>
+    </p:ext>
+  </p:extLst>
 </p:presentation>
 </file>
 
@@ -288,7 +304,7 @@
           <a:p>
             <a:fld id="{275AEC66-45C4-483D-961E-390BE374E592}" type="datetimeFigureOut">
               <a:rPr lang="en-US" smtClean="0"/>
-              <a:t>2/20/2018</a:t>
+              <a:t>4/8/2018</a:t>
             </a:fld>
             <a:endParaRPr lang="en-US"/>
           </a:p>
@@ -458,7 +474,7 @@
           <a:p>
             <a:fld id="{275AEC66-45C4-483D-961E-390BE374E592}" type="datetimeFigureOut">
               <a:rPr lang="en-US" smtClean="0"/>
-              <a:t>2/20/2018</a:t>
+              <a:t>4/8/2018</a:t>
             </a:fld>
             <a:endParaRPr lang="en-US"/>
           </a:p>
@@ -638,7 +654,7 @@
           <a:p>
             <a:fld id="{275AEC66-45C4-483D-961E-390BE374E592}" type="datetimeFigureOut">
               <a:rPr lang="en-US" smtClean="0"/>
-              <a:t>2/20/2018</a:t>
+              <a:t>4/8/2018</a:t>
             </a:fld>
             <a:endParaRPr lang="en-US"/>
           </a:p>
@@ -808,7 +824,7 @@
           <a:p>
             <a:fld id="{275AEC66-45C4-483D-961E-390BE374E592}" type="datetimeFigureOut">
               <a:rPr lang="en-US" smtClean="0"/>
-              <a:t>2/20/2018</a:t>
+              <a:t>4/8/2018</a:t>
             </a:fld>
             <a:endParaRPr lang="en-US"/>
           </a:p>
@@ -1054,7 +1070,7 @@
           <a:p>
             <a:fld id="{275AEC66-45C4-483D-961E-390BE374E592}" type="datetimeFigureOut">
               <a:rPr lang="en-US" smtClean="0"/>
-              <a:t>2/20/2018</a:t>
+              <a:t>4/8/2018</a:t>
             </a:fld>
             <a:endParaRPr lang="en-US"/>
           </a:p>
@@ -1342,7 +1358,7 @@
           <a:p>
             <a:fld id="{275AEC66-45C4-483D-961E-390BE374E592}" type="datetimeFigureOut">
               <a:rPr lang="en-US" smtClean="0"/>
-              <a:t>2/20/2018</a:t>
+              <a:t>4/8/2018</a:t>
             </a:fld>
             <a:endParaRPr lang="en-US"/>
           </a:p>
@@ -1764,7 +1780,7 @@
           <a:p>
             <a:fld id="{275AEC66-45C4-483D-961E-390BE374E592}" type="datetimeFigureOut">
               <a:rPr lang="en-US" smtClean="0"/>
-              <a:t>2/20/2018</a:t>
+              <a:t>4/8/2018</a:t>
             </a:fld>
             <a:endParaRPr lang="en-US"/>
           </a:p>
@@ -1882,7 +1898,7 @@
           <a:p>
             <a:fld id="{275AEC66-45C4-483D-961E-390BE374E592}" type="datetimeFigureOut">
               <a:rPr lang="en-US" smtClean="0"/>
-              <a:t>2/20/2018</a:t>
+              <a:t>4/8/2018</a:t>
             </a:fld>
             <a:endParaRPr lang="en-US"/>
           </a:p>
@@ -1977,7 +1993,7 @@
           <a:p>
             <a:fld id="{275AEC66-45C4-483D-961E-390BE374E592}" type="datetimeFigureOut">
               <a:rPr lang="en-US" smtClean="0"/>
-              <a:t>2/20/2018</a:t>
+              <a:t>4/8/2018</a:t>
             </a:fld>
             <a:endParaRPr lang="en-US"/>
           </a:p>
@@ -2254,7 +2270,7 @@
           <a:p>
             <a:fld id="{275AEC66-45C4-483D-961E-390BE374E592}" type="datetimeFigureOut">
               <a:rPr lang="en-US" smtClean="0"/>
-              <a:t>2/20/2018</a:t>
+              <a:t>4/8/2018</a:t>
             </a:fld>
             <a:endParaRPr lang="en-US"/>
           </a:p>
@@ -2507,7 +2523,7 @@
           <a:p>
             <a:fld id="{275AEC66-45C4-483D-961E-390BE374E592}" type="datetimeFigureOut">
               <a:rPr lang="en-US" smtClean="0"/>
-              <a:t>2/20/2018</a:t>
+              <a:t>4/8/2018</a:t>
             </a:fld>
             <a:endParaRPr lang="en-US"/>
           </a:p>
@@ -2720,7 +2736,7 @@
           <a:p>
             <a:fld id="{275AEC66-45C4-483D-961E-390BE374E592}" type="datetimeFigureOut">
               <a:rPr lang="en-US" smtClean="0"/>
-              <a:t>2/20/2018</a:t>
+              <a:t>4/8/2018</a:t>
             </a:fld>
             <a:endParaRPr lang="en-US"/>
           </a:p>
@@ -3401,7 +3417,7 @@
               </a:endParaRPr>
             </a:p>
             <a:p>
-              <a:pPr marL="111125" indent="-111125">
+              <a:pPr marL="45720" indent="-111125">
                 <a:buFont typeface="Arial" panose="020B0604020202020204" pitchFamily="34" charset="0"/>
                 <a:buChar char="•"/>
               </a:pPr>
@@ -3421,11 +3437,26 @@
                     </a:outerShdw>
                   </a:effectLst>
                 </a:rPr>
-                <a:t>Crystals</a:t>
+                <a:t>Materials</a:t>
               </a:r>
+              <a:endParaRPr lang="en-US" sz="1400" b="1" dirty="0" smtClean="0">
+                <a:solidFill>
+                  <a:schemeClr val="accent6">
+                    <a:lumMod val="40000"/>
+                    <a:lumOff val="60000"/>
+                  </a:schemeClr>
+                </a:solidFill>
+                <a:effectLst>
+                  <a:outerShdw blurRad="38100" dist="38100" dir="2700000" algn="tl">
+                    <a:srgbClr val="000000">
+                      <a:alpha val="43137"/>
+                    </a:srgbClr>
+                  </a:outerShdw>
+                </a:effectLst>
+              </a:endParaRPr>
             </a:p>
             <a:p>
-              <a:pPr marL="111125" indent="-111125">
+              <a:pPr marL="45720" indent="-111125">
                 <a:buFont typeface="Arial" panose="020B0604020202020204" pitchFamily="34" charset="0"/>
                 <a:buChar char="•"/>
               </a:pPr>
@@ -3449,7 +3480,7 @@
               </a:r>
             </a:p>
             <a:p>
-              <a:pPr marL="111125" indent="-111125">
+              <a:pPr marL="45720" indent="-111125">
                 <a:buFont typeface="Arial" panose="020B0604020202020204" pitchFamily="34" charset="0"/>
                 <a:buChar char="•"/>
               </a:pPr>
